--- a/slides/06-Operators-Precedence.pptx
+++ b/slides/06-Operators-Precedence.pptx
@@ -213,7 +213,7 @@
           <a:p>
             <a:fld id="{4C4F8C23-AD19-4079-9B13-2D8E3E18989E}" type="datetimeFigureOut">
               <a:rPr lang="en-US" smtClean="0"/>
-              <a:t>7/7/2023</a:t>
+              <a:t>9/8/2023</a:t>
             </a:fld>
             <a:endParaRPr lang="en-US"/>
           </a:p>
@@ -1032,7 +1032,7 @@
           <a:p>
             <a:fld id="{EA8664C8-AD6F-48AA-AED9-EEC78948A335}" type="datetimeFigureOut">
               <a:rPr lang="en-US" smtClean="0"/>
-              <a:t>7/7/2023</a:t>
+              <a:t>9/8/2023</a:t>
             </a:fld>
             <a:endParaRPr lang="en-US"/>
           </a:p>
@@ -1202,7 +1202,7 @@
           <a:p>
             <a:fld id="{EA8664C8-AD6F-48AA-AED9-EEC78948A335}" type="datetimeFigureOut">
               <a:rPr lang="en-US" smtClean="0"/>
-              <a:t>7/7/2023</a:t>
+              <a:t>9/8/2023</a:t>
             </a:fld>
             <a:endParaRPr lang="en-US"/>
           </a:p>
@@ -1382,7 +1382,7 @@
           <a:p>
             <a:fld id="{EA8664C8-AD6F-48AA-AED9-EEC78948A335}" type="datetimeFigureOut">
               <a:rPr lang="en-US" smtClean="0"/>
-              <a:t>7/7/2023</a:t>
+              <a:t>9/8/2023</a:t>
             </a:fld>
             <a:endParaRPr lang="en-US"/>
           </a:p>
@@ -1552,7 +1552,7 @@
           <a:p>
             <a:fld id="{EA8664C8-AD6F-48AA-AED9-EEC78948A335}" type="datetimeFigureOut">
               <a:rPr lang="en-US" smtClean="0"/>
-              <a:t>7/7/2023</a:t>
+              <a:t>9/8/2023</a:t>
             </a:fld>
             <a:endParaRPr lang="en-US"/>
           </a:p>
@@ -1798,7 +1798,7 @@
           <a:p>
             <a:fld id="{EA8664C8-AD6F-48AA-AED9-EEC78948A335}" type="datetimeFigureOut">
               <a:rPr lang="en-US" smtClean="0"/>
-              <a:t>7/7/2023</a:t>
+              <a:t>9/8/2023</a:t>
             </a:fld>
             <a:endParaRPr lang="en-US"/>
           </a:p>
@@ -2030,7 +2030,7 @@
           <a:p>
             <a:fld id="{EA8664C8-AD6F-48AA-AED9-EEC78948A335}" type="datetimeFigureOut">
               <a:rPr lang="en-US" smtClean="0"/>
-              <a:t>7/7/2023</a:t>
+              <a:t>9/8/2023</a:t>
             </a:fld>
             <a:endParaRPr lang="en-US"/>
           </a:p>
@@ -2397,7 +2397,7 @@
           <a:p>
             <a:fld id="{EA8664C8-AD6F-48AA-AED9-EEC78948A335}" type="datetimeFigureOut">
               <a:rPr lang="en-US" smtClean="0"/>
-              <a:t>7/7/2023</a:t>
+              <a:t>9/8/2023</a:t>
             </a:fld>
             <a:endParaRPr lang="en-US"/>
           </a:p>
@@ -2515,7 +2515,7 @@
           <a:p>
             <a:fld id="{EA8664C8-AD6F-48AA-AED9-EEC78948A335}" type="datetimeFigureOut">
               <a:rPr lang="en-US" smtClean="0"/>
-              <a:t>7/7/2023</a:t>
+              <a:t>9/8/2023</a:t>
             </a:fld>
             <a:endParaRPr lang="en-US"/>
           </a:p>
@@ -2610,7 +2610,7 @@
           <a:p>
             <a:fld id="{EA8664C8-AD6F-48AA-AED9-EEC78948A335}" type="datetimeFigureOut">
               <a:rPr lang="en-US" smtClean="0"/>
-              <a:t>7/7/2023</a:t>
+              <a:t>9/8/2023</a:t>
             </a:fld>
             <a:endParaRPr lang="en-US"/>
           </a:p>
@@ -2887,7 +2887,7 @@
           <a:p>
             <a:fld id="{EA8664C8-AD6F-48AA-AED9-EEC78948A335}" type="datetimeFigureOut">
               <a:rPr lang="en-US" smtClean="0"/>
-              <a:t>7/7/2023</a:t>
+              <a:t>9/8/2023</a:t>
             </a:fld>
             <a:endParaRPr lang="en-US"/>
           </a:p>
@@ -3140,7 +3140,7 @@
           <a:p>
             <a:fld id="{EA8664C8-AD6F-48AA-AED9-EEC78948A335}" type="datetimeFigureOut">
               <a:rPr lang="en-US" smtClean="0"/>
-              <a:t>7/7/2023</a:t>
+              <a:t>9/8/2023</a:t>
             </a:fld>
             <a:endParaRPr lang="en-US"/>
           </a:p>
@@ -3353,7 +3353,7 @@
           <a:p>
             <a:fld id="{EA8664C8-AD6F-48AA-AED9-EEC78948A335}" type="datetimeFigureOut">
               <a:rPr lang="en-US" smtClean="0"/>
-              <a:t>7/7/2023</a:t>
+              <a:t>9/8/2023</a:t>
             </a:fld>
             <a:endParaRPr lang="en-US"/>
           </a:p>
@@ -7041,15 +7041,7 @@
             </a:r>
             <a:r>
               <a:rPr lang="en-US" dirty="0" smtClean="0"/>
-              <a:t>-decrement  </a:t>
-            </a:r>
-            <a:r>
-              <a:rPr lang="en-US" dirty="0" smtClean="0"/>
-              <a:t>a specific </a:t>
-            </a:r>
-            <a:r>
-              <a:rPr lang="en-US" dirty="0" smtClean="0"/>
-              <a:t>use of ‘</a:t>
+              <a:t>-decrement  a specific use of ‘</a:t>
             </a:r>
             <a:r>
               <a:rPr lang="en-US" dirty="0" smtClean="0">
@@ -7244,9 +7236,6 @@
               </a:rPr>
               <a:t> use.</a:t>
             </a:r>
-            <a:endParaRPr lang="en-US" dirty="0" smtClean="0">
-              <a:cs typeface="Courier New" panose="02070309020205020404" pitchFamily="49" charset="0"/>
-            </a:endParaRPr>
           </a:p>
           <a:p>
             <a:r>
@@ -7327,13 +7316,7 @@
               <a:rPr lang="en-US" dirty="0" smtClean="0">
                 <a:cs typeface="Courier New" panose="02070309020205020404" pitchFamily="49" charset="0"/>
               </a:rPr>
-              <a:t>are no different in effect</a:t>
-            </a:r>
-            <a:r>
-              <a:rPr lang="en-US" dirty="0" smtClean="0">
-                <a:cs typeface="Courier New" panose="02070309020205020404" pitchFamily="49" charset="0"/>
-              </a:rPr>
-              <a:t>.</a:t>
+              <a:t>are no different in effect.</a:t>
             </a:r>
             <a:endParaRPr lang="en-US" dirty="0"/>
           </a:p>
@@ -8609,7 +8592,10 @@
           <a:bodyPr/>
           <a:lstStyle/>
           <a:p>
-            <a:endParaRPr lang="en-US" dirty="0"/>
+            <a:r>
+              <a:rPr lang="en-US" dirty="0"/>
+              <a:t>Operator Precedence and Associativity</a:t>
+            </a:r>
           </a:p>
         </p:txBody>
       </p:sp>
@@ -8625,12 +8611,20 @@
         </p:nvSpPr>
         <p:spPr/>
         <p:txBody>
-          <a:bodyPr/>
-          <a:lstStyle/>
-          <a:p>
-            <a:r>
-              <a:rPr lang="en-US" dirty="0" smtClean="0"/>
-              <a:t>Precedence: Breaking the tie between two operators of different precedence – do the higher/ earlier preference first.</a:t>
+          <a:bodyPr>
+            <a:normAutofit lnSpcReduction="10000"/>
+          </a:bodyPr>
+          <a:lstStyle/>
+          <a:p>
+            <a:r>
+              <a:rPr lang="en-US" sz="3200" dirty="0" smtClean="0">
+                <a:latin typeface="Gabriola" panose="04040605051002020D02" pitchFamily="82" charset="0"/>
+              </a:rPr>
+              <a:t>Precedence</a:t>
+            </a:r>
+            <a:r>
+              <a:rPr lang="en-US" dirty="0" smtClean="0"/>
+              <a:t>:     Breaking the tie between two operators of different precedence – do the higher/ earlier preference first.</a:t>
             </a:r>
           </a:p>
           <a:p>
@@ -8691,8 +8685,14 @@
           </a:p>
           <a:p>
             <a:r>
-              <a:rPr lang="en-US" dirty="0" smtClean="0"/>
-              <a:t>Associativity: Break the tie between two operators of the same precedence.</a:t>
+              <a:rPr lang="en-US" sz="3200" dirty="0">
+                <a:latin typeface="Gabriola" panose="04040605051002020D02" pitchFamily="82" charset="0"/>
+              </a:rPr>
+              <a:t>Associativity</a:t>
+            </a:r>
+            <a:r>
+              <a:rPr lang="en-US" dirty="0" smtClean="0"/>
+              <a:t>:    Break the tie between two operators of the same precedence.</a:t>
             </a:r>
           </a:p>
           <a:p>
@@ -9391,7 +9391,29 @@
             </a:r>
             <a:r>
               <a:rPr lang="en-US" dirty="0" smtClean="0"/>
-              <a:t>        is an 8 bit value (this is not standard C, but just for teaching convenience)</a:t>
+              <a:t>        is an 8 bit value (</a:t>
+            </a:r>
+            <a:r>
+              <a:rPr lang="en-US" sz="2800" dirty="0" smtClean="0">
+                <a:latin typeface="Gabriola" panose="04040605051002020D02" pitchFamily="82" charset="0"/>
+              </a:rPr>
+              <a:t>this is </a:t>
+            </a:r>
+            <a:r>
+              <a:rPr lang="en-US" sz="2800" b="1" u="dbl" dirty="0" smtClean="0">
+                <a:latin typeface="Gabriola" panose="04040605051002020D02" pitchFamily="82" charset="0"/>
+              </a:rPr>
+              <a:t>not</a:t>
+            </a:r>
+            <a:r>
+              <a:rPr lang="en-US" sz="2800" dirty="0" smtClean="0">
+                <a:latin typeface="Gabriola" panose="04040605051002020D02" pitchFamily="82" charset="0"/>
+              </a:rPr>
+              <a:t> standard C, but just for teaching convenience</a:t>
+            </a:r>
+            <a:r>
+              <a:rPr lang="en-US" dirty="0" smtClean="0"/>
+              <a:t>)</a:t>
             </a:r>
           </a:p>
           <a:p>
